--- a/bookreading/bookreading.pptx
+++ b/bookreading/bookreading.pptx
@@ -219,7 +219,7 @@
           </a:lstStyle>
           <a:p>
             <a:fld id="{6B8D1B20-A248-FB47-8240-73C0C5F47C9D}" type="datetimeFigureOut">
-              <a:t>2022/3/17</a:t>
+              <a:t>2025/3/27</a:t>
             </a:fld>
             <a:endParaRPr kumimoji="1" lang="ja-JP" altLang="en-US"/>
           </a:p>
@@ -1803,7 +1803,7 @@
         <p:spPr>
           <a:xfrm>
             <a:off x="323528" y="6381328"/>
-            <a:ext cx="8186857" cy="338554"/>
+            <a:ext cx="6750566" cy="338554"/>
           </a:xfrm>
           <a:prstGeom prst="rect">
             <a:avLst/>
@@ -1818,7 +1818,7 @@
           <a:p>
             <a:r>
               <a:rPr kumimoji="1" lang="ja-JP" altLang="en-US" sz="1600" dirty="0"/>
-              <a:t>オンラインで本読み輪講をやったことが無いのでベストプラクティスがわかりません</a:t>
+              <a:t>オンラインで本読み輪講のベストプラクティスはまだわかりません</a:t>
             </a:r>
             <a:r>
               <a:rPr lang="en-US" altLang="ja-JP" sz="1600" dirty="0"/>
